--- a/Documenten/CoolTeam_Structure.pptx
+++ b/Documenten/CoolTeam_Structure.pptx
@@ -259,7 +259,7 @@
           <a:p>
             <a:fld id="{EA53C0A4-1EC5-7A4D-ADA0-5AE42F238B0B}" type="datetimeFigureOut">
               <a:rPr lang="en-GB" smtClean="0"/>
-              <a:t>15/03/2021</a:t>
+              <a:t>06/05/2021</a:t>
             </a:fld>
             <a:endParaRPr lang="en-GB"/>
           </a:p>
@@ -313,7 +313,7 @@
           <a:p>
             <a:fld id="{81BD6F2A-F09A-E442-B72D-6C4EEE953D34}" type="slidenum">
               <a:rPr lang="en-GB" smtClean="0"/>
-              <a:t>‹nr.›</a:t>
+              <a:t>‹#›</a:t>
             </a:fld>
             <a:endParaRPr lang="en-GB"/>
           </a:p>
@@ -457,7 +457,7 @@
           <a:p>
             <a:fld id="{EA53C0A4-1EC5-7A4D-ADA0-5AE42F238B0B}" type="datetimeFigureOut">
               <a:rPr lang="en-GB" smtClean="0"/>
-              <a:t>15/03/2021</a:t>
+              <a:t>06/05/2021</a:t>
             </a:fld>
             <a:endParaRPr lang="en-GB"/>
           </a:p>
@@ -511,7 +511,7 @@
           <a:p>
             <a:fld id="{81BD6F2A-F09A-E442-B72D-6C4EEE953D34}" type="slidenum">
               <a:rPr lang="en-GB" smtClean="0"/>
-              <a:t>‹nr.›</a:t>
+              <a:t>‹#›</a:t>
             </a:fld>
             <a:endParaRPr lang="en-GB"/>
           </a:p>
@@ -665,7 +665,7 @@
           <a:p>
             <a:fld id="{EA53C0A4-1EC5-7A4D-ADA0-5AE42F238B0B}" type="datetimeFigureOut">
               <a:rPr lang="en-GB" smtClean="0"/>
-              <a:t>15/03/2021</a:t>
+              <a:t>06/05/2021</a:t>
             </a:fld>
             <a:endParaRPr lang="en-GB"/>
           </a:p>
@@ -719,7 +719,7 @@
           <a:p>
             <a:fld id="{81BD6F2A-F09A-E442-B72D-6C4EEE953D34}" type="slidenum">
               <a:rPr lang="en-GB" smtClean="0"/>
-              <a:t>‹nr.›</a:t>
+              <a:t>‹#›</a:t>
             </a:fld>
             <a:endParaRPr lang="en-GB"/>
           </a:p>
@@ -863,7 +863,7 @@
           <a:p>
             <a:fld id="{EA53C0A4-1EC5-7A4D-ADA0-5AE42F238B0B}" type="datetimeFigureOut">
               <a:rPr lang="en-GB" smtClean="0"/>
-              <a:t>15/03/2021</a:t>
+              <a:t>06/05/2021</a:t>
             </a:fld>
             <a:endParaRPr lang="en-GB"/>
           </a:p>
@@ -917,7 +917,7 @@
           <a:p>
             <a:fld id="{81BD6F2A-F09A-E442-B72D-6C4EEE953D34}" type="slidenum">
               <a:rPr lang="en-GB" smtClean="0"/>
-              <a:t>‹nr.›</a:t>
+              <a:t>‹#›</a:t>
             </a:fld>
             <a:endParaRPr lang="en-GB"/>
           </a:p>
@@ -1138,7 +1138,7 @@
           <a:p>
             <a:fld id="{EA53C0A4-1EC5-7A4D-ADA0-5AE42F238B0B}" type="datetimeFigureOut">
               <a:rPr lang="en-GB" smtClean="0"/>
-              <a:t>15/03/2021</a:t>
+              <a:t>06/05/2021</a:t>
             </a:fld>
             <a:endParaRPr lang="en-GB"/>
           </a:p>
@@ -1192,7 +1192,7 @@
           <a:p>
             <a:fld id="{81BD6F2A-F09A-E442-B72D-6C4EEE953D34}" type="slidenum">
               <a:rPr lang="en-GB" smtClean="0"/>
-              <a:t>‹nr.›</a:t>
+              <a:t>‹#›</a:t>
             </a:fld>
             <a:endParaRPr lang="en-GB"/>
           </a:p>
@@ -1403,7 +1403,7 @@
           <a:p>
             <a:fld id="{EA53C0A4-1EC5-7A4D-ADA0-5AE42F238B0B}" type="datetimeFigureOut">
               <a:rPr lang="en-GB" smtClean="0"/>
-              <a:t>15/03/2021</a:t>
+              <a:t>06/05/2021</a:t>
             </a:fld>
             <a:endParaRPr lang="en-GB"/>
           </a:p>
@@ -1457,7 +1457,7 @@
           <a:p>
             <a:fld id="{81BD6F2A-F09A-E442-B72D-6C4EEE953D34}" type="slidenum">
               <a:rPr lang="en-GB" smtClean="0"/>
-              <a:t>‹nr.›</a:t>
+              <a:t>‹#›</a:t>
             </a:fld>
             <a:endParaRPr lang="en-GB"/>
           </a:p>
@@ -1815,7 +1815,7 @@
           <a:p>
             <a:fld id="{EA53C0A4-1EC5-7A4D-ADA0-5AE42F238B0B}" type="datetimeFigureOut">
               <a:rPr lang="en-GB" smtClean="0"/>
-              <a:t>15/03/2021</a:t>
+              <a:t>06/05/2021</a:t>
             </a:fld>
             <a:endParaRPr lang="en-GB"/>
           </a:p>
@@ -1869,7 +1869,7 @@
           <a:p>
             <a:fld id="{81BD6F2A-F09A-E442-B72D-6C4EEE953D34}" type="slidenum">
               <a:rPr lang="en-GB" smtClean="0"/>
-              <a:t>‹nr.›</a:t>
+              <a:t>‹#›</a:t>
             </a:fld>
             <a:endParaRPr lang="en-GB"/>
           </a:p>
@@ -1956,7 +1956,7 @@
           <a:p>
             <a:fld id="{EA53C0A4-1EC5-7A4D-ADA0-5AE42F238B0B}" type="datetimeFigureOut">
               <a:rPr lang="en-GB" smtClean="0"/>
-              <a:t>15/03/2021</a:t>
+              <a:t>06/05/2021</a:t>
             </a:fld>
             <a:endParaRPr lang="en-GB"/>
           </a:p>
@@ -2010,7 +2010,7 @@
           <a:p>
             <a:fld id="{81BD6F2A-F09A-E442-B72D-6C4EEE953D34}" type="slidenum">
               <a:rPr lang="en-GB" smtClean="0"/>
-              <a:t>‹nr.›</a:t>
+              <a:t>‹#›</a:t>
             </a:fld>
             <a:endParaRPr lang="en-GB"/>
           </a:p>
@@ -2069,7 +2069,7 @@
           <a:p>
             <a:fld id="{EA53C0A4-1EC5-7A4D-ADA0-5AE42F238B0B}" type="datetimeFigureOut">
               <a:rPr lang="en-GB" smtClean="0"/>
-              <a:t>15/03/2021</a:t>
+              <a:t>06/05/2021</a:t>
             </a:fld>
             <a:endParaRPr lang="en-GB"/>
           </a:p>
@@ -2123,7 +2123,7 @@
           <a:p>
             <a:fld id="{81BD6F2A-F09A-E442-B72D-6C4EEE953D34}" type="slidenum">
               <a:rPr lang="en-GB" smtClean="0"/>
-              <a:t>‹nr.›</a:t>
+              <a:t>‹#›</a:t>
             </a:fld>
             <a:endParaRPr lang="en-GB"/>
           </a:p>
@@ -2380,7 +2380,7 @@
           <a:p>
             <a:fld id="{EA53C0A4-1EC5-7A4D-ADA0-5AE42F238B0B}" type="datetimeFigureOut">
               <a:rPr lang="en-GB" smtClean="0"/>
-              <a:t>15/03/2021</a:t>
+              <a:t>06/05/2021</a:t>
             </a:fld>
             <a:endParaRPr lang="en-GB"/>
           </a:p>
@@ -2434,7 +2434,7 @@
           <a:p>
             <a:fld id="{81BD6F2A-F09A-E442-B72D-6C4EEE953D34}" type="slidenum">
               <a:rPr lang="en-GB" smtClean="0"/>
-              <a:t>‹nr.›</a:t>
+              <a:t>‹#›</a:t>
             </a:fld>
             <a:endParaRPr lang="en-GB"/>
           </a:p>
@@ -2668,7 +2668,7 @@
           <a:p>
             <a:fld id="{EA53C0A4-1EC5-7A4D-ADA0-5AE42F238B0B}" type="datetimeFigureOut">
               <a:rPr lang="en-GB" smtClean="0"/>
-              <a:t>15/03/2021</a:t>
+              <a:t>06/05/2021</a:t>
             </a:fld>
             <a:endParaRPr lang="en-GB"/>
           </a:p>
@@ -2722,7 +2722,7 @@
           <a:p>
             <a:fld id="{81BD6F2A-F09A-E442-B72D-6C4EEE953D34}" type="slidenum">
               <a:rPr lang="en-GB" smtClean="0"/>
-              <a:t>‹nr.›</a:t>
+              <a:t>‹#›</a:t>
             </a:fld>
             <a:endParaRPr lang="en-GB"/>
           </a:p>
@@ -2909,7 +2909,7 @@
           <a:p>
             <a:fld id="{EA53C0A4-1EC5-7A4D-ADA0-5AE42F238B0B}" type="datetimeFigureOut">
               <a:rPr lang="en-GB" smtClean="0"/>
-              <a:t>15/03/2021</a:t>
+              <a:t>06/05/2021</a:t>
             </a:fld>
             <a:endParaRPr lang="en-GB"/>
           </a:p>
@@ -2999,7 +2999,7 @@
           <a:p>
             <a:fld id="{81BD6F2A-F09A-E442-B72D-6C4EEE953D34}" type="slidenum">
               <a:rPr lang="en-GB" smtClean="0"/>
-              <a:t>‹nr.›</a:t>
+              <a:t>‹#›</a:t>
             </a:fld>
             <a:endParaRPr lang="en-GB"/>
           </a:p>
@@ -3433,7 +3433,7 @@
         <p:spPr>
           <a:xfrm>
             <a:off x="733646" y="627321"/>
-            <a:ext cx="1477925" cy="369332"/>
+            <a:ext cx="2465677" cy="369332"/>
           </a:xfrm>
           <a:prstGeom prst="rect">
             <a:avLst/>
@@ -3452,46 +3452,78 @@
                   <a:schemeClr val="bg1"/>
                 </a:solidFill>
               </a:rPr>
-              <a:t>PCB1 (buiten)</a:t>
-            </a:r>
-          </a:p>
-        </p:txBody>
-      </p:sp>
-      <p:sp>
-        <p:nvSpPr>
-          <p:cNvPr id="7" name="TextBox 6">
-            <a:extLst>
-              <a:ext uri="{FF2B5EF4-FFF2-40B4-BE49-F238E27FC236}">
-                <a16:creationId xmlns:a16="http://schemas.microsoft.com/office/drawing/2014/main" id="{F6CA97CE-A543-5342-80F8-792E3DBD06BE}"/>
-              </a:ext>
-            </a:extLst>
-          </p:cNvPr>
-          <p:cNvSpPr txBox="1"/>
-          <p:nvPr/>
-        </p:nvSpPr>
-        <p:spPr>
-          <a:xfrm>
-            <a:off x="7223050" y="627321"/>
-            <a:ext cx="1580707" cy="369332"/>
-          </a:xfrm>
-          <a:prstGeom prst="rect">
-            <a:avLst/>
-          </a:prstGeom>
-          <a:noFill/>
-        </p:spPr>
-        <p:txBody>
-          <a:bodyPr wrap="square" rtlCol="0">
-            <a:spAutoFit/>
-          </a:bodyPr>
-          <a:lstStyle/>
-          <a:p>
+              <a:t>PCB1 (</a:t>
+            </a:r>
+            <a:r>
+              <a:rPr lang="en-GB" dirty="0" err="1">
+                <a:solidFill>
+                  <a:schemeClr val="bg1"/>
+                </a:solidFill>
+              </a:rPr>
+              <a:t>buiten</a:t>
+            </a:r>
             <a:r>
               <a:rPr lang="en-GB" dirty="0">
                 <a:solidFill>
                   <a:schemeClr val="bg1"/>
                 </a:solidFill>
               </a:rPr>
-              <a:t>PCB2 (binnen)</a:t>
+              <a:t> container)</a:t>
+            </a:r>
+          </a:p>
+        </p:txBody>
+      </p:sp>
+      <p:sp>
+        <p:nvSpPr>
+          <p:cNvPr id="7" name="TextBox 6">
+            <a:extLst>
+              <a:ext uri="{FF2B5EF4-FFF2-40B4-BE49-F238E27FC236}">
+                <a16:creationId xmlns:a16="http://schemas.microsoft.com/office/drawing/2014/main" id="{F6CA97CE-A543-5342-80F8-792E3DBD06BE}"/>
+              </a:ext>
+            </a:extLst>
+          </p:cNvPr>
+          <p:cNvSpPr txBox="1"/>
+          <p:nvPr/>
+        </p:nvSpPr>
+        <p:spPr>
+          <a:xfrm>
+            <a:off x="7223050" y="627321"/>
+            <a:ext cx="2606750" cy="369332"/>
+          </a:xfrm>
+          <a:prstGeom prst="rect">
+            <a:avLst/>
+          </a:prstGeom>
+          <a:noFill/>
+        </p:spPr>
+        <p:txBody>
+          <a:bodyPr wrap="square" rtlCol="0">
+            <a:spAutoFit/>
+          </a:bodyPr>
+          <a:lstStyle/>
+          <a:p>
+            <a:r>
+              <a:rPr lang="en-GB" dirty="0">
+                <a:solidFill>
+                  <a:schemeClr val="bg1"/>
+                </a:solidFill>
+              </a:rPr>
+              <a:t>PCB2 (</a:t>
+            </a:r>
+            <a:r>
+              <a:rPr lang="en-GB" dirty="0" err="1">
+                <a:solidFill>
+                  <a:schemeClr val="bg1"/>
+                </a:solidFill>
+              </a:rPr>
+              <a:t>binnen</a:t>
+            </a:r>
+            <a:r>
+              <a:rPr lang="en-GB" dirty="0">
+                <a:solidFill>
+                  <a:schemeClr val="bg1"/>
+                </a:solidFill>
+              </a:rPr>
+              <a:t> container)</a:t>
             </a:r>
           </a:p>
         </p:txBody>
@@ -3538,7 +3570,7 @@
             <a:pPr algn="ctr"/>
             <a:r>
               <a:rPr lang="en-GB" dirty="0"/>
-              <a:t>ESP32 BLE</a:t>
+              <a:t>ESP32</a:t>
             </a:r>
           </a:p>
         </p:txBody>
@@ -3584,8 +3616,20 @@
           <a:p>
             <a:pPr algn="ctr"/>
             <a:r>
+              <a:rPr lang="en-GB" dirty="0" err="1"/>
+              <a:t>Voeding</a:t>
+            </a:r>
+            <a:r>
               <a:rPr lang="en-GB" dirty="0"/>
-              <a:t>Power</a:t>
+              <a:t> (</a:t>
+            </a:r>
+            <a:r>
+              <a:rPr lang="en-GB" dirty="0" err="1"/>
+              <a:t>batterij</a:t>
+            </a:r>
+            <a:r>
+              <a:rPr lang="en-GB" dirty="0"/>
+              <a:t>)</a:t>
             </a:r>
           </a:p>
         </p:txBody>
@@ -4796,7 +4840,7 @@
                   <a:srgbClr val="FF0000"/>
                 </a:solidFill>
               </a:rPr>
-              <a:t>Power</a:t>
+              <a:t>3.3V</a:t>
             </a:r>
           </a:p>
         </p:txBody>
